--- a/6. React Front/ppt/React.pptx
+++ b/6. React Front/ppt/React.pptx
@@ -147,7 +147,7 @@
           <p:cNvPr id="2" name="Title 1">
             <a:extLst>
               <a:ext uri="{FF2B5EF4-FFF2-40B4-BE49-F238E27FC236}">
-                <a16:creationId xmlns:a16="http://schemas.microsoft.com/office/drawing/2014/main" id="{4F535356-3A05-431A-B684-61303E49D3C0}"/>
+                <a16:creationId xmlns:a16="http://schemas.microsoft.com/office/drawing/2014/main" xmlns="" id="{4F535356-3A05-431A-B684-61303E49D3C0}"/>
               </a:ext>
             </a:extLst>
           </p:cNvPr>
@@ -184,7 +184,7 @@
           <p:cNvPr id="3" name="Subtitle 2">
             <a:extLst>
               <a:ext uri="{FF2B5EF4-FFF2-40B4-BE49-F238E27FC236}">
-                <a16:creationId xmlns:a16="http://schemas.microsoft.com/office/drawing/2014/main" id="{9B297690-11D6-4E5A-9CC4-C9BFF89E9029}"/>
+                <a16:creationId xmlns:a16="http://schemas.microsoft.com/office/drawing/2014/main" xmlns="" id="{9B297690-11D6-4E5A-9CC4-C9BFF89E9029}"/>
               </a:ext>
             </a:extLst>
           </p:cNvPr>
@@ -254,7 +254,7 @@
           <p:cNvPr id="4" name="Date Placeholder 3">
             <a:extLst>
               <a:ext uri="{FF2B5EF4-FFF2-40B4-BE49-F238E27FC236}">
-                <a16:creationId xmlns:a16="http://schemas.microsoft.com/office/drawing/2014/main" id="{C11416C7-A55A-44B2-98E1-5A0C165F057C}"/>
+                <a16:creationId xmlns:a16="http://schemas.microsoft.com/office/drawing/2014/main" xmlns="" id="{C11416C7-A55A-44B2-98E1-5A0C165F057C}"/>
               </a:ext>
             </a:extLst>
           </p:cNvPr>
@@ -272,7 +272,7 @@
           <a:p>
             <a:fld id="{F28FA523-62D8-40FE-B50A-1C662116A5AA}" type="datetimeFigureOut">
               <a:rPr lang="en-US" smtClean="0"/>
-              <a:t>4/17/2022</a:t>
+              <a:t>12/21/2022</a:t>
             </a:fld>
             <a:endParaRPr lang="en-US"/>
           </a:p>
@@ -283,7 +283,7 @@
           <p:cNvPr id="5" name="Footer Placeholder 4">
             <a:extLst>
               <a:ext uri="{FF2B5EF4-FFF2-40B4-BE49-F238E27FC236}">
-                <a16:creationId xmlns:a16="http://schemas.microsoft.com/office/drawing/2014/main" id="{F44705EA-58C8-4E74-B8C8-107ECFDDA934}"/>
+                <a16:creationId xmlns:a16="http://schemas.microsoft.com/office/drawing/2014/main" xmlns="" id="{F44705EA-58C8-4E74-B8C8-107ECFDDA934}"/>
               </a:ext>
             </a:extLst>
           </p:cNvPr>
@@ -308,7 +308,7 @@
           <p:cNvPr id="6" name="Slide Number Placeholder 5">
             <a:extLst>
               <a:ext uri="{FF2B5EF4-FFF2-40B4-BE49-F238E27FC236}">
-                <a16:creationId xmlns:a16="http://schemas.microsoft.com/office/drawing/2014/main" id="{0C3F21B4-7CE3-4576-8D91-8D6CA4E9FF70}"/>
+                <a16:creationId xmlns:a16="http://schemas.microsoft.com/office/drawing/2014/main" xmlns="" id="{0C3F21B4-7CE3-4576-8D91-8D6CA4E9FF70}"/>
               </a:ext>
             </a:extLst>
           </p:cNvPr>
@@ -367,7 +367,7 @@
           <p:cNvPr id="2" name="Title 1">
             <a:extLst>
               <a:ext uri="{FF2B5EF4-FFF2-40B4-BE49-F238E27FC236}">
-                <a16:creationId xmlns:a16="http://schemas.microsoft.com/office/drawing/2014/main" id="{CCC9BA34-C9AE-4260-8B0A-496416BD3AAF}"/>
+                <a16:creationId xmlns:a16="http://schemas.microsoft.com/office/drawing/2014/main" xmlns="" id="{CCC9BA34-C9AE-4260-8B0A-496416BD3AAF}"/>
               </a:ext>
             </a:extLst>
           </p:cNvPr>
@@ -395,7 +395,7 @@
           <p:cNvPr id="3" name="Vertical Text Placeholder 2">
             <a:extLst>
               <a:ext uri="{FF2B5EF4-FFF2-40B4-BE49-F238E27FC236}">
-                <a16:creationId xmlns:a16="http://schemas.microsoft.com/office/drawing/2014/main" id="{296FACED-E9F3-45E3-ADD2-EBED32B317E6}"/>
+                <a16:creationId xmlns:a16="http://schemas.microsoft.com/office/drawing/2014/main" xmlns="" id="{296FACED-E9F3-45E3-ADD2-EBED32B317E6}"/>
               </a:ext>
             </a:extLst>
           </p:cNvPr>
@@ -452,7 +452,7 @@
           <p:cNvPr id="4" name="Date Placeholder 3">
             <a:extLst>
               <a:ext uri="{FF2B5EF4-FFF2-40B4-BE49-F238E27FC236}">
-                <a16:creationId xmlns:a16="http://schemas.microsoft.com/office/drawing/2014/main" id="{802C344B-1C65-436F-8B1F-D567F0B9FC9C}"/>
+                <a16:creationId xmlns:a16="http://schemas.microsoft.com/office/drawing/2014/main" xmlns="" id="{802C344B-1C65-436F-8B1F-D567F0B9FC9C}"/>
               </a:ext>
             </a:extLst>
           </p:cNvPr>
@@ -470,7 +470,7 @@
           <a:p>
             <a:fld id="{F28FA523-62D8-40FE-B50A-1C662116A5AA}" type="datetimeFigureOut">
               <a:rPr lang="en-US" smtClean="0"/>
-              <a:t>4/17/2022</a:t>
+              <a:t>12/21/2022</a:t>
             </a:fld>
             <a:endParaRPr lang="en-US"/>
           </a:p>
@@ -481,7 +481,7 @@
           <p:cNvPr id="5" name="Footer Placeholder 4">
             <a:extLst>
               <a:ext uri="{FF2B5EF4-FFF2-40B4-BE49-F238E27FC236}">
-                <a16:creationId xmlns:a16="http://schemas.microsoft.com/office/drawing/2014/main" id="{4A7B22BB-7C8F-4C65-8464-BC5213B83143}"/>
+                <a16:creationId xmlns:a16="http://schemas.microsoft.com/office/drawing/2014/main" xmlns="" id="{4A7B22BB-7C8F-4C65-8464-BC5213B83143}"/>
               </a:ext>
             </a:extLst>
           </p:cNvPr>
@@ -506,7 +506,7 @@
           <p:cNvPr id="6" name="Slide Number Placeholder 5">
             <a:extLst>
               <a:ext uri="{FF2B5EF4-FFF2-40B4-BE49-F238E27FC236}">
-                <a16:creationId xmlns:a16="http://schemas.microsoft.com/office/drawing/2014/main" id="{60939837-CAF9-4417-9D53-3AEB992EF0B8}"/>
+                <a16:creationId xmlns:a16="http://schemas.microsoft.com/office/drawing/2014/main" xmlns="" id="{60939837-CAF9-4417-9D53-3AEB992EF0B8}"/>
               </a:ext>
             </a:extLst>
           </p:cNvPr>
@@ -565,7 +565,7 @@
           <p:cNvPr id="2" name="Vertical Title 1">
             <a:extLst>
               <a:ext uri="{FF2B5EF4-FFF2-40B4-BE49-F238E27FC236}">
-                <a16:creationId xmlns:a16="http://schemas.microsoft.com/office/drawing/2014/main" id="{E0CCEE94-7384-49A2-A7F8-EC875D50E51F}"/>
+                <a16:creationId xmlns:a16="http://schemas.microsoft.com/office/drawing/2014/main" xmlns="" id="{E0CCEE94-7384-49A2-A7F8-EC875D50E51F}"/>
               </a:ext>
             </a:extLst>
           </p:cNvPr>
@@ -598,7 +598,7 @@
           <p:cNvPr id="3" name="Vertical Text Placeholder 2">
             <a:extLst>
               <a:ext uri="{FF2B5EF4-FFF2-40B4-BE49-F238E27FC236}">
-                <a16:creationId xmlns:a16="http://schemas.microsoft.com/office/drawing/2014/main" id="{C6500690-3462-47A1-AC67-6A675F82B17C}"/>
+                <a16:creationId xmlns:a16="http://schemas.microsoft.com/office/drawing/2014/main" xmlns="" id="{C6500690-3462-47A1-AC67-6A675F82B17C}"/>
               </a:ext>
             </a:extLst>
           </p:cNvPr>
@@ -660,7 +660,7 @@
           <p:cNvPr id="4" name="Date Placeholder 3">
             <a:extLst>
               <a:ext uri="{FF2B5EF4-FFF2-40B4-BE49-F238E27FC236}">
-                <a16:creationId xmlns:a16="http://schemas.microsoft.com/office/drawing/2014/main" id="{79278BDF-C4E4-4859-9684-9BA1F67733CC}"/>
+                <a16:creationId xmlns:a16="http://schemas.microsoft.com/office/drawing/2014/main" xmlns="" id="{79278BDF-C4E4-4859-9684-9BA1F67733CC}"/>
               </a:ext>
             </a:extLst>
           </p:cNvPr>
@@ -678,7 +678,7 @@
           <a:p>
             <a:fld id="{F28FA523-62D8-40FE-B50A-1C662116A5AA}" type="datetimeFigureOut">
               <a:rPr lang="en-US" smtClean="0"/>
-              <a:t>4/17/2022</a:t>
+              <a:t>12/21/2022</a:t>
             </a:fld>
             <a:endParaRPr lang="en-US"/>
           </a:p>
@@ -689,7 +689,7 @@
           <p:cNvPr id="5" name="Footer Placeholder 4">
             <a:extLst>
               <a:ext uri="{FF2B5EF4-FFF2-40B4-BE49-F238E27FC236}">
-                <a16:creationId xmlns:a16="http://schemas.microsoft.com/office/drawing/2014/main" id="{86AADD24-F7FD-40BC-93BE-EECC440721CD}"/>
+                <a16:creationId xmlns:a16="http://schemas.microsoft.com/office/drawing/2014/main" xmlns="" id="{86AADD24-F7FD-40BC-93BE-EECC440721CD}"/>
               </a:ext>
             </a:extLst>
           </p:cNvPr>
@@ -714,7 +714,7 @@
           <p:cNvPr id="6" name="Slide Number Placeholder 5">
             <a:extLst>
               <a:ext uri="{FF2B5EF4-FFF2-40B4-BE49-F238E27FC236}">
-                <a16:creationId xmlns:a16="http://schemas.microsoft.com/office/drawing/2014/main" id="{F88C7385-6A64-4128-BAB7-DB2A9A356E13}"/>
+                <a16:creationId xmlns:a16="http://schemas.microsoft.com/office/drawing/2014/main" xmlns="" id="{F88C7385-6A64-4128-BAB7-DB2A9A356E13}"/>
               </a:ext>
             </a:extLst>
           </p:cNvPr>
@@ -773,7 +773,7 @@
           <p:cNvPr id="2" name="Title 1">
             <a:extLst>
               <a:ext uri="{FF2B5EF4-FFF2-40B4-BE49-F238E27FC236}">
-                <a16:creationId xmlns:a16="http://schemas.microsoft.com/office/drawing/2014/main" id="{80F2D37A-155C-4FA5-B056-2872350C1657}"/>
+                <a16:creationId xmlns:a16="http://schemas.microsoft.com/office/drawing/2014/main" xmlns="" id="{80F2D37A-155C-4FA5-B056-2872350C1657}"/>
               </a:ext>
             </a:extLst>
           </p:cNvPr>
@@ -801,7 +801,7 @@
           <p:cNvPr id="3" name="Content Placeholder 2">
             <a:extLst>
               <a:ext uri="{FF2B5EF4-FFF2-40B4-BE49-F238E27FC236}">
-                <a16:creationId xmlns:a16="http://schemas.microsoft.com/office/drawing/2014/main" id="{F703D469-773A-44B3-BCC2-A33D186ECA31}"/>
+                <a16:creationId xmlns:a16="http://schemas.microsoft.com/office/drawing/2014/main" xmlns="" id="{F703D469-773A-44B3-BCC2-A33D186ECA31}"/>
               </a:ext>
             </a:extLst>
           </p:cNvPr>
@@ -858,7 +858,7 @@
           <p:cNvPr id="4" name="Date Placeholder 3">
             <a:extLst>
               <a:ext uri="{FF2B5EF4-FFF2-40B4-BE49-F238E27FC236}">
-                <a16:creationId xmlns:a16="http://schemas.microsoft.com/office/drawing/2014/main" id="{6C745484-09CE-4BD2-A91C-FDF128E50C71}"/>
+                <a16:creationId xmlns:a16="http://schemas.microsoft.com/office/drawing/2014/main" xmlns="" id="{6C745484-09CE-4BD2-A91C-FDF128E50C71}"/>
               </a:ext>
             </a:extLst>
           </p:cNvPr>
@@ -876,7 +876,7 @@
           <a:p>
             <a:fld id="{F28FA523-62D8-40FE-B50A-1C662116A5AA}" type="datetimeFigureOut">
               <a:rPr lang="en-US" smtClean="0"/>
-              <a:t>4/17/2022</a:t>
+              <a:t>12/21/2022</a:t>
             </a:fld>
             <a:endParaRPr lang="en-US"/>
           </a:p>
@@ -887,7 +887,7 @@
           <p:cNvPr id="5" name="Footer Placeholder 4">
             <a:extLst>
               <a:ext uri="{FF2B5EF4-FFF2-40B4-BE49-F238E27FC236}">
-                <a16:creationId xmlns:a16="http://schemas.microsoft.com/office/drawing/2014/main" id="{1CE4898E-3DFE-43AA-834C-A902E7371DF6}"/>
+                <a16:creationId xmlns:a16="http://schemas.microsoft.com/office/drawing/2014/main" xmlns="" id="{1CE4898E-3DFE-43AA-834C-A902E7371DF6}"/>
               </a:ext>
             </a:extLst>
           </p:cNvPr>
@@ -912,7 +912,7 @@
           <p:cNvPr id="6" name="Slide Number Placeholder 5">
             <a:extLst>
               <a:ext uri="{FF2B5EF4-FFF2-40B4-BE49-F238E27FC236}">
-                <a16:creationId xmlns:a16="http://schemas.microsoft.com/office/drawing/2014/main" id="{D98D3619-2B1A-4F1B-867D-DAFAAED213D2}"/>
+                <a16:creationId xmlns:a16="http://schemas.microsoft.com/office/drawing/2014/main" xmlns="" id="{D98D3619-2B1A-4F1B-867D-DAFAAED213D2}"/>
               </a:ext>
             </a:extLst>
           </p:cNvPr>
@@ -971,7 +971,7 @@
           <p:cNvPr id="2" name="Title 1">
             <a:extLst>
               <a:ext uri="{FF2B5EF4-FFF2-40B4-BE49-F238E27FC236}">
-                <a16:creationId xmlns:a16="http://schemas.microsoft.com/office/drawing/2014/main" id="{93027247-A6E8-4364-8C9D-B2AF8D2CA644}"/>
+                <a16:creationId xmlns:a16="http://schemas.microsoft.com/office/drawing/2014/main" xmlns="" id="{93027247-A6E8-4364-8C9D-B2AF8D2CA644}"/>
               </a:ext>
             </a:extLst>
           </p:cNvPr>
@@ -1008,7 +1008,7 @@
           <p:cNvPr id="3" name="Text Placeholder 2">
             <a:extLst>
               <a:ext uri="{FF2B5EF4-FFF2-40B4-BE49-F238E27FC236}">
-                <a16:creationId xmlns:a16="http://schemas.microsoft.com/office/drawing/2014/main" id="{91C4D00C-10F3-4A40-A79E-6ECEA849659E}"/>
+                <a16:creationId xmlns:a16="http://schemas.microsoft.com/office/drawing/2014/main" xmlns="" id="{91C4D00C-10F3-4A40-A79E-6ECEA849659E}"/>
               </a:ext>
             </a:extLst>
           </p:cNvPr>
@@ -1133,7 +1133,7 @@
           <p:cNvPr id="4" name="Date Placeholder 3">
             <a:extLst>
               <a:ext uri="{FF2B5EF4-FFF2-40B4-BE49-F238E27FC236}">
-                <a16:creationId xmlns:a16="http://schemas.microsoft.com/office/drawing/2014/main" id="{F7B05C93-F4B2-4F38-B2B4-B0DFFAAF0064}"/>
+                <a16:creationId xmlns:a16="http://schemas.microsoft.com/office/drawing/2014/main" xmlns="" id="{F7B05C93-F4B2-4F38-B2B4-B0DFFAAF0064}"/>
               </a:ext>
             </a:extLst>
           </p:cNvPr>
@@ -1151,7 +1151,7 @@
           <a:p>
             <a:fld id="{F28FA523-62D8-40FE-B50A-1C662116A5AA}" type="datetimeFigureOut">
               <a:rPr lang="en-US" smtClean="0"/>
-              <a:t>4/17/2022</a:t>
+              <a:t>12/21/2022</a:t>
             </a:fld>
             <a:endParaRPr lang="en-US"/>
           </a:p>
@@ -1162,7 +1162,7 @@
           <p:cNvPr id="5" name="Footer Placeholder 4">
             <a:extLst>
               <a:ext uri="{FF2B5EF4-FFF2-40B4-BE49-F238E27FC236}">
-                <a16:creationId xmlns:a16="http://schemas.microsoft.com/office/drawing/2014/main" id="{BCBCE96B-06E4-462A-B314-2F69EDC78F0F}"/>
+                <a16:creationId xmlns:a16="http://schemas.microsoft.com/office/drawing/2014/main" xmlns="" id="{BCBCE96B-06E4-462A-B314-2F69EDC78F0F}"/>
               </a:ext>
             </a:extLst>
           </p:cNvPr>
@@ -1187,7 +1187,7 @@
           <p:cNvPr id="6" name="Slide Number Placeholder 5">
             <a:extLst>
               <a:ext uri="{FF2B5EF4-FFF2-40B4-BE49-F238E27FC236}">
-                <a16:creationId xmlns:a16="http://schemas.microsoft.com/office/drawing/2014/main" id="{AFD06B13-434E-48BA-ABF1-B5228AC4D401}"/>
+                <a16:creationId xmlns:a16="http://schemas.microsoft.com/office/drawing/2014/main" xmlns="" id="{AFD06B13-434E-48BA-ABF1-B5228AC4D401}"/>
               </a:ext>
             </a:extLst>
           </p:cNvPr>
@@ -1246,7 +1246,7 @@
           <p:cNvPr id="2" name="Title 1">
             <a:extLst>
               <a:ext uri="{FF2B5EF4-FFF2-40B4-BE49-F238E27FC236}">
-                <a16:creationId xmlns:a16="http://schemas.microsoft.com/office/drawing/2014/main" id="{E9369BCB-1AE4-4FC8-AF2D-F87AD93B50FC}"/>
+                <a16:creationId xmlns:a16="http://schemas.microsoft.com/office/drawing/2014/main" xmlns="" id="{E9369BCB-1AE4-4FC8-AF2D-F87AD93B50FC}"/>
               </a:ext>
             </a:extLst>
           </p:cNvPr>
@@ -1274,7 +1274,7 @@
           <p:cNvPr id="3" name="Content Placeholder 2">
             <a:extLst>
               <a:ext uri="{FF2B5EF4-FFF2-40B4-BE49-F238E27FC236}">
-                <a16:creationId xmlns:a16="http://schemas.microsoft.com/office/drawing/2014/main" id="{2D2ACA7C-A8C4-44EB-9D8B-BFB804DDF47D}"/>
+                <a16:creationId xmlns:a16="http://schemas.microsoft.com/office/drawing/2014/main" xmlns="" id="{2D2ACA7C-A8C4-44EB-9D8B-BFB804DDF47D}"/>
               </a:ext>
             </a:extLst>
           </p:cNvPr>
@@ -1336,7 +1336,7 @@
           <p:cNvPr id="4" name="Content Placeholder 3">
             <a:extLst>
               <a:ext uri="{FF2B5EF4-FFF2-40B4-BE49-F238E27FC236}">
-                <a16:creationId xmlns:a16="http://schemas.microsoft.com/office/drawing/2014/main" id="{802BBA57-14F8-4A72-8E5B-07BE01DF7D73}"/>
+                <a16:creationId xmlns:a16="http://schemas.microsoft.com/office/drawing/2014/main" xmlns="" id="{802BBA57-14F8-4A72-8E5B-07BE01DF7D73}"/>
               </a:ext>
             </a:extLst>
           </p:cNvPr>
@@ -1398,7 +1398,7 @@
           <p:cNvPr id="5" name="Date Placeholder 4">
             <a:extLst>
               <a:ext uri="{FF2B5EF4-FFF2-40B4-BE49-F238E27FC236}">
-                <a16:creationId xmlns:a16="http://schemas.microsoft.com/office/drawing/2014/main" id="{7A42AF21-121E-484C-B172-7533D9EF8B6A}"/>
+                <a16:creationId xmlns:a16="http://schemas.microsoft.com/office/drawing/2014/main" xmlns="" id="{7A42AF21-121E-484C-B172-7533D9EF8B6A}"/>
               </a:ext>
             </a:extLst>
           </p:cNvPr>
@@ -1416,7 +1416,7 @@
           <a:p>
             <a:fld id="{F28FA523-62D8-40FE-B50A-1C662116A5AA}" type="datetimeFigureOut">
               <a:rPr lang="en-US" smtClean="0"/>
-              <a:t>4/17/2022</a:t>
+              <a:t>12/21/2022</a:t>
             </a:fld>
             <a:endParaRPr lang="en-US"/>
           </a:p>
@@ -1427,7 +1427,7 @@
           <p:cNvPr id="6" name="Footer Placeholder 5">
             <a:extLst>
               <a:ext uri="{FF2B5EF4-FFF2-40B4-BE49-F238E27FC236}">
-                <a16:creationId xmlns:a16="http://schemas.microsoft.com/office/drawing/2014/main" id="{3345619D-AFBE-4EF9-AA98-707AD60A8A4D}"/>
+                <a16:creationId xmlns:a16="http://schemas.microsoft.com/office/drawing/2014/main" xmlns="" id="{3345619D-AFBE-4EF9-AA98-707AD60A8A4D}"/>
               </a:ext>
             </a:extLst>
           </p:cNvPr>
@@ -1452,7 +1452,7 @@
           <p:cNvPr id="7" name="Slide Number Placeholder 6">
             <a:extLst>
               <a:ext uri="{FF2B5EF4-FFF2-40B4-BE49-F238E27FC236}">
-                <a16:creationId xmlns:a16="http://schemas.microsoft.com/office/drawing/2014/main" id="{C5CF6074-A3D8-433D-AE41-23CDE85553C7}"/>
+                <a16:creationId xmlns:a16="http://schemas.microsoft.com/office/drawing/2014/main" xmlns="" id="{C5CF6074-A3D8-433D-AE41-23CDE85553C7}"/>
               </a:ext>
             </a:extLst>
           </p:cNvPr>
@@ -1511,7 +1511,7 @@
           <p:cNvPr id="2" name="Title 1">
             <a:extLst>
               <a:ext uri="{FF2B5EF4-FFF2-40B4-BE49-F238E27FC236}">
-                <a16:creationId xmlns:a16="http://schemas.microsoft.com/office/drawing/2014/main" id="{2A1C9217-5CF2-49A9-9BFE-85D8BBC20D33}"/>
+                <a16:creationId xmlns:a16="http://schemas.microsoft.com/office/drawing/2014/main" xmlns="" id="{2A1C9217-5CF2-49A9-9BFE-85D8BBC20D33}"/>
               </a:ext>
             </a:extLst>
           </p:cNvPr>
@@ -1544,7 +1544,7 @@
           <p:cNvPr id="3" name="Text Placeholder 2">
             <a:extLst>
               <a:ext uri="{FF2B5EF4-FFF2-40B4-BE49-F238E27FC236}">
-                <a16:creationId xmlns:a16="http://schemas.microsoft.com/office/drawing/2014/main" id="{3F163B92-FC9B-47EE-B098-9566F8EA90A8}"/>
+                <a16:creationId xmlns:a16="http://schemas.microsoft.com/office/drawing/2014/main" xmlns="" id="{3F163B92-FC9B-47EE-B098-9566F8EA90A8}"/>
               </a:ext>
             </a:extLst>
           </p:cNvPr>
@@ -1615,7 +1615,7 @@
           <p:cNvPr id="4" name="Content Placeholder 3">
             <a:extLst>
               <a:ext uri="{FF2B5EF4-FFF2-40B4-BE49-F238E27FC236}">
-                <a16:creationId xmlns:a16="http://schemas.microsoft.com/office/drawing/2014/main" id="{CC312AD5-B562-46A6-8BBA-370932110E8E}"/>
+                <a16:creationId xmlns:a16="http://schemas.microsoft.com/office/drawing/2014/main" xmlns="" id="{CC312AD5-B562-46A6-8BBA-370932110E8E}"/>
               </a:ext>
             </a:extLst>
           </p:cNvPr>
@@ -1677,7 +1677,7 @@
           <p:cNvPr id="5" name="Text Placeholder 4">
             <a:extLst>
               <a:ext uri="{FF2B5EF4-FFF2-40B4-BE49-F238E27FC236}">
-                <a16:creationId xmlns:a16="http://schemas.microsoft.com/office/drawing/2014/main" id="{7113ABC6-54A7-4A21-A42E-F1A27A7F3078}"/>
+                <a16:creationId xmlns:a16="http://schemas.microsoft.com/office/drawing/2014/main" xmlns="" id="{7113ABC6-54A7-4A21-A42E-F1A27A7F3078}"/>
               </a:ext>
             </a:extLst>
           </p:cNvPr>
@@ -1748,7 +1748,7 @@
           <p:cNvPr id="6" name="Content Placeholder 5">
             <a:extLst>
               <a:ext uri="{FF2B5EF4-FFF2-40B4-BE49-F238E27FC236}">
-                <a16:creationId xmlns:a16="http://schemas.microsoft.com/office/drawing/2014/main" id="{B7E01E44-FB9B-4CCC-B8BD-D30A5682920C}"/>
+                <a16:creationId xmlns:a16="http://schemas.microsoft.com/office/drawing/2014/main" xmlns="" id="{B7E01E44-FB9B-4CCC-B8BD-D30A5682920C}"/>
               </a:ext>
             </a:extLst>
           </p:cNvPr>
@@ -1810,7 +1810,7 @@
           <p:cNvPr id="7" name="Date Placeholder 6">
             <a:extLst>
               <a:ext uri="{FF2B5EF4-FFF2-40B4-BE49-F238E27FC236}">
-                <a16:creationId xmlns:a16="http://schemas.microsoft.com/office/drawing/2014/main" id="{2B754A56-AD07-440F-8C01-85DD8F3181F6}"/>
+                <a16:creationId xmlns:a16="http://schemas.microsoft.com/office/drawing/2014/main" xmlns="" id="{2B754A56-AD07-440F-8C01-85DD8F3181F6}"/>
               </a:ext>
             </a:extLst>
           </p:cNvPr>
@@ -1828,7 +1828,7 @@
           <a:p>
             <a:fld id="{F28FA523-62D8-40FE-B50A-1C662116A5AA}" type="datetimeFigureOut">
               <a:rPr lang="en-US" smtClean="0"/>
-              <a:t>4/17/2022</a:t>
+              <a:t>12/21/2022</a:t>
             </a:fld>
             <a:endParaRPr lang="en-US"/>
           </a:p>
@@ -1839,7 +1839,7 @@
           <p:cNvPr id="8" name="Footer Placeholder 7">
             <a:extLst>
               <a:ext uri="{FF2B5EF4-FFF2-40B4-BE49-F238E27FC236}">
-                <a16:creationId xmlns:a16="http://schemas.microsoft.com/office/drawing/2014/main" id="{84A94E45-F887-42DE-A4F8-017795B03D4B}"/>
+                <a16:creationId xmlns:a16="http://schemas.microsoft.com/office/drawing/2014/main" xmlns="" id="{84A94E45-F887-42DE-A4F8-017795B03D4B}"/>
               </a:ext>
             </a:extLst>
           </p:cNvPr>
@@ -1864,7 +1864,7 @@
           <p:cNvPr id="9" name="Slide Number Placeholder 8">
             <a:extLst>
               <a:ext uri="{FF2B5EF4-FFF2-40B4-BE49-F238E27FC236}">
-                <a16:creationId xmlns:a16="http://schemas.microsoft.com/office/drawing/2014/main" id="{3A41BB22-B7A9-4E3A-BA9C-F00299605180}"/>
+                <a16:creationId xmlns:a16="http://schemas.microsoft.com/office/drawing/2014/main" xmlns="" id="{3A41BB22-B7A9-4E3A-BA9C-F00299605180}"/>
               </a:ext>
             </a:extLst>
           </p:cNvPr>
@@ -1923,7 +1923,7 @@
           <p:cNvPr id="2" name="Title 1">
             <a:extLst>
               <a:ext uri="{FF2B5EF4-FFF2-40B4-BE49-F238E27FC236}">
-                <a16:creationId xmlns:a16="http://schemas.microsoft.com/office/drawing/2014/main" id="{0D4A3F82-F329-4894-8542-A96D7D7D3A7B}"/>
+                <a16:creationId xmlns:a16="http://schemas.microsoft.com/office/drawing/2014/main" xmlns="" id="{0D4A3F82-F329-4894-8542-A96D7D7D3A7B}"/>
               </a:ext>
             </a:extLst>
           </p:cNvPr>
@@ -1951,7 +1951,7 @@
           <p:cNvPr id="3" name="Date Placeholder 2">
             <a:extLst>
               <a:ext uri="{FF2B5EF4-FFF2-40B4-BE49-F238E27FC236}">
-                <a16:creationId xmlns:a16="http://schemas.microsoft.com/office/drawing/2014/main" id="{D8560A69-7451-42AB-8EDE-55877DCCC576}"/>
+                <a16:creationId xmlns:a16="http://schemas.microsoft.com/office/drawing/2014/main" xmlns="" id="{D8560A69-7451-42AB-8EDE-55877DCCC576}"/>
               </a:ext>
             </a:extLst>
           </p:cNvPr>
@@ -1969,7 +1969,7 @@
           <a:p>
             <a:fld id="{F28FA523-62D8-40FE-B50A-1C662116A5AA}" type="datetimeFigureOut">
               <a:rPr lang="en-US" smtClean="0"/>
-              <a:t>4/17/2022</a:t>
+              <a:t>12/21/2022</a:t>
             </a:fld>
             <a:endParaRPr lang="en-US"/>
           </a:p>
@@ -1980,7 +1980,7 @@
           <p:cNvPr id="4" name="Footer Placeholder 3">
             <a:extLst>
               <a:ext uri="{FF2B5EF4-FFF2-40B4-BE49-F238E27FC236}">
-                <a16:creationId xmlns:a16="http://schemas.microsoft.com/office/drawing/2014/main" id="{EDC485EA-5E68-47B8-B778-76C1B8C1BF64}"/>
+                <a16:creationId xmlns:a16="http://schemas.microsoft.com/office/drawing/2014/main" xmlns="" id="{EDC485EA-5E68-47B8-B778-76C1B8C1BF64}"/>
               </a:ext>
             </a:extLst>
           </p:cNvPr>
@@ -2005,7 +2005,7 @@
           <p:cNvPr id="5" name="Slide Number Placeholder 4">
             <a:extLst>
               <a:ext uri="{FF2B5EF4-FFF2-40B4-BE49-F238E27FC236}">
-                <a16:creationId xmlns:a16="http://schemas.microsoft.com/office/drawing/2014/main" id="{07CFF2DF-7F6F-4E10-9FAD-42832B084425}"/>
+                <a16:creationId xmlns:a16="http://schemas.microsoft.com/office/drawing/2014/main" xmlns="" id="{07CFF2DF-7F6F-4E10-9FAD-42832B084425}"/>
               </a:ext>
             </a:extLst>
           </p:cNvPr>
@@ -2064,7 +2064,7 @@
           <p:cNvPr id="2" name="Date Placeholder 1">
             <a:extLst>
               <a:ext uri="{FF2B5EF4-FFF2-40B4-BE49-F238E27FC236}">
-                <a16:creationId xmlns:a16="http://schemas.microsoft.com/office/drawing/2014/main" id="{95F60988-A73A-455A-814A-BEA4A87180A3}"/>
+                <a16:creationId xmlns:a16="http://schemas.microsoft.com/office/drawing/2014/main" xmlns="" id="{95F60988-A73A-455A-814A-BEA4A87180A3}"/>
               </a:ext>
             </a:extLst>
           </p:cNvPr>
@@ -2082,7 +2082,7 @@
           <a:p>
             <a:fld id="{F28FA523-62D8-40FE-B50A-1C662116A5AA}" type="datetimeFigureOut">
               <a:rPr lang="en-US" smtClean="0"/>
-              <a:t>4/17/2022</a:t>
+              <a:t>12/21/2022</a:t>
             </a:fld>
             <a:endParaRPr lang="en-US"/>
           </a:p>
@@ -2093,7 +2093,7 @@
           <p:cNvPr id="3" name="Footer Placeholder 2">
             <a:extLst>
               <a:ext uri="{FF2B5EF4-FFF2-40B4-BE49-F238E27FC236}">
-                <a16:creationId xmlns:a16="http://schemas.microsoft.com/office/drawing/2014/main" id="{60821B36-BD83-45AA-A4F6-E3668031637A}"/>
+                <a16:creationId xmlns:a16="http://schemas.microsoft.com/office/drawing/2014/main" xmlns="" id="{60821B36-BD83-45AA-A4F6-E3668031637A}"/>
               </a:ext>
             </a:extLst>
           </p:cNvPr>
@@ -2118,7 +2118,7 @@
           <p:cNvPr id="4" name="Slide Number Placeholder 3">
             <a:extLst>
               <a:ext uri="{FF2B5EF4-FFF2-40B4-BE49-F238E27FC236}">
-                <a16:creationId xmlns:a16="http://schemas.microsoft.com/office/drawing/2014/main" id="{2ACABF02-4604-49AF-97D7-D26A9E29170D}"/>
+                <a16:creationId xmlns:a16="http://schemas.microsoft.com/office/drawing/2014/main" xmlns="" id="{2ACABF02-4604-49AF-97D7-D26A9E29170D}"/>
               </a:ext>
             </a:extLst>
           </p:cNvPr>
@@ -2177,7 +2177,7 @@
           <p:cNvPr id="2" name="Title 1">
             <a:extLst>
               <a:ext uri="{FF2B5EF4-FFF2-40B4-BE49-F238E27FC236}">
-                <a16:creationId xmlns:a16="http://schemas.microsoft.com/office/drawing/2014/main" id="{C21FC1C9-9246-454C-A049-0B14BC2E1A28}"/>
+                <a16:creationId xmlns:a16="http://schemas.microsoft.com/office/drawing/2014/main" xmlns="" id="{C21FC1C9-9246-454C-A049-0B14BC2E1A28}"/>
               </a:ext>
             </a:extLst>
           </p:cNvPr>
@@ -2214,7 +2214,7 @@
           <p:cNvPr id="3" name="Content Placeholder 2">
             <a:extLst>
               <a:ext uri="{FF2B5EF4-FFF2-40B4-BE49-F238E27FC236}">
-                <a16:creationId xmlns:a16="http://schemas.microsoft.com/office/drawing/2014/main" id="{8F938CD0-56F2-434F-AD6C-56356C6EB746}"/>
+                <a16:creationId xmlns:a16="http://schemas.microsoft.com/office/drawing/2014/main" xmlns="" id="{8F938CD0-56F2-434F-AD6C-56356C6EB746}"/>
               </a:ext>
             </a:extLst>
           </p:cNvPr>
@@ -2304,7 +2304,7 @@
           <p:cNvPr id="4" name="Text Placeholder 3">
             <a:extLst>
               <a:ext uri="{FF2B5EF4-FFF2-40B4-BE49-F238E27FC236}">
-                <a16:creationId xmlns:a16="http://schemas.microsoft.com/office/drawing/2014/main" id="{16999759-3DCA-41D0-9B9D-3E42C6E65294}"/>
+                <a16:creationId xmlns:a16="http://schemas.microsoft.com/office/drawing/2014/main" xmlns="" id="{16999759-3DCA-41D0-9B9D-3E42C6E65294}"/>
               </a:ext>
             </a:extLst>
           </p:cNvPr>
@@ -2375,7 +2375,7 @@
           <p:cNvPr id="5" name="Date Placeholder 4">
             <a:extLst>
               <a:ext uri="{FF2B5EF4-FFF2-40B4-BE49-F238E27FC236}">
-                <a16:creationId xmlns:a16="http://schemas.microsoft.com/office/drawing/2014/main" id="{822AF5CF-C2BD-435F-91C9-CF14CBCFA9A1}"/>
+                <a16:creationId xmlns:a16="http://schemas.microsoft.com/office/drawing/2014/main" xmlns="" id="{822AF5CF-C2BD-435F-91C9-CF14CBCFA9A1}"/>
               </a:ext>
             </a:extLst>
           </p:cNvPr>
@@ -2393,7 +2393,7 @@
           <a:p>
             <a:fld id="{F28FA523-62D8-40FE-B50A-1C662116A5AA}" type="datetimeFigureOut">
               <a:rPr lang="en-US" smtClean="0"/>
-              <a:t>4/17/2022</a:t>
+              <a:t>12/21/2022</a:t>
             </a:fld>
             <a:endParaRPr lang="en-US"/>
           </a:p>
@@ -2404,7 +2404,7 @@
           <p:cNvPr id="6" name="Footer Placeholder 5">
             <a:extLst>
               <a:ext uri="{FF2B5EF4-FFF2-40B4-BE49-F238E27FC236}">
-                <a16:creationId xmlns:a16="http://schemas.microsoft.com/office/drawing/2014/main" id="{F41DE8A7-2F05-4B1D-A944-BE143212417E}"/>
+                <a16:creationId xmlns:a16="http://schemas.microsoft.com/office/drawing/2014/main" xmlns="" id="{F41DE8A7-2F05-4B1D-A944-BE143212417E}"/>
               </a:ext>
             </a:extLst>
           </p:cNvPr>
@@ -2429,7 +2429,7 @@
           <p:cNvPr id="7" name="Slide Number Placeholder 6">
             <a:extLst>
               <a:ext uri="{FF2B5EF4-FFF2-40B4-BE49-F238E27FC236}">
-                <a16:creationId xmlns:a16="http://schemas.microsoft.com/office/drawing/2014/main" id="{9034D1F9-A8ED-4740-9AB1-DE3717CAA146}"/>
+                <a16:creationId xmlns:a16="http://schemas.microsoft.com/office/drawing/2014/main" xmlns="" id="{9034D1F9-A8ED-4740-9AB1-DE3717CAA146}"/>
               </a:ext>
             </a:extLst>
           </p:cNvPr>
@@ -2488,7 +2488,7 @@
           <p:cNvPr id="2" name="Title 1">
             <a:extLst>
               <a:ext uri="{FF2B5EF4-FFF2-40B4-BE49-F238E27FC236}">
-                <a16:creationId xmlns:a16="http://schemas.microsoft.com/office/drawing/2014/main" id="{509AC113-A557-4C60-995A-A859273E5DC0}"/>
+                <a16:creationId xmlns:a16="http://schemas.microsoft.com/office/drawing/2014/main" xmlns="" id="{509AC113-A557-4C60-995A-A859273E5DC0}"/>
               </a:ext>
             </a:extLst>
           </p:cNvPr>
@@ -2525,7 +2525,7 @@
           <p:cNvPr id="3" name="Picture Placeholder 2">
             <a:extLst>
               <a:ext uri="{FF2B5EF4-FFF2-40B4-BE49-F238E27FC236}">
-                <a16:creationId xmlns:a16="http://schemas.microsoft.com/office/drawing/2014/main" id="{6BF2358B-488E-4F17-AE09-6981E397029A}"/>
+                <a16:creationId xmlns:a16="http://schemas.microsoft.com/office/drawing/2014/main" xmlns="" id="{6BF2358B-488E-4F17-AE09-6981E397029A}"/>
               </a:ext>
             </a:extLst>
           </p:cNvPr>
@@ -2592,7 +2592,7 @@
           <p:cNvPr id="4" name="Text Placeholder 3">
             <a:extLst>
               <a:ext uri="{FF2B5EF4-FFF2-40B4-BE49-F238E27FC236}">
-                <a16:creationId xmlns:a16="http://schemas.microsoft.com/office/drawing/2014/main" id="{984695AC-F039-4A8C-AFB6-6D33E7C4DB83}"/>
+                <a16:creationId xmlns:a16="http://schemas.microsoft.com/office/drawing/2014/main" xmlns="" id="{984695AC-F039-4A8C-AFB6-6D33E7C4DB83}"/>
               </a:ext>
             </a:extLst>
           </p:cNvPr>
@@ -2663,7 +2663,7 @@
           <p:cNvPr id="5" name="Date Placeholder 4">
             <a:extLst>
               <a:ext uri="{FF2B5EF4-FFF2-40B4-BE49-F238E27FC236}">
-                <a16:creationId xmlns:a16="http://schemas.microsoft.com/office/drawing/2014/main" id="{C88D8C3D-F16F-4F2D-B712-588086B91E6A}"/>
+                <a16:creationId xmlns:a16="http://schemas.microsoft.com/office/drawing/2014/main" xmlns="" id="{C88D8C3D-F16F-4F2D-B712-588086B91E6A}"/>
               </a:ext>
             </a:extLst>
           </p:cNvPr>
@@ -2681,7 +2681,7 @@
           <a:p>
             <a:fld id="{F28FA523-62D8-40FE-B50A-1C662116A5AA}" type="datetimeFigureOut">
               <a:rPr lang="en-US" smtClean="0"/>
-              <a:t>4/17/2022</a:t>
+              <a:t>12/21/2022</a:t>
             </a:fld>
             <a:endParaRPr lang="en-US"/>
           </a:p>
@@ -2692,7 +2692,7 @@
           <p:cNvPr id="6" name="Footer Placeholder 5">
             <a:extLst>
               <a:ext uri="{FF2B5EF4-FFF2-40B4-BE49-F238E27FC236}">
-                <a16:creationId xmlns:a16="http://schemas.microsoft.com/office/drawing/2014/main" id="{364CF711-B22F-45E2-B927-CF55EC6D0F77}"/>
+                <a16:creationId xmlns:a16="http://schemas.microsoft.com/office/drawing/2014/main" xmlns="" id="{364CF711-B22F-45E2-B927-CF55EC6D0F77}"/>
               </a:ext>
             </a:extLst>
           </p:cNvPr>
@@ -2717,7 +2717,7 @@
           <p:cNvPr id="7" name="Slide Number Placeholder 6">
             <a:extLst>
               <a:ext uri="{FF2B5EF4-FFF2-40B4-BE49-F238E27FC236}">
-                <a16:creationId xmlns:a16="http://schemas.microsoft.com/office/drawing/2014/main" id="{36938C1C-8966-452D-B2D3-952CBB7F7F84}"/>
+                <a16:creationId xmlns:a16="http://schemas.microsoft.com/office/drawing/2014/main" xmlns="" id="{36938C1C-8966-452D-B2D3-952CBB7F7F84}"/>
               </a:ext>
             </a:extLst>
           </p:cNvPr>
@@ -2781,7 +2781,7 @@
           <p:cNvPr id="2" name="Title Placeholder 1">
             <a:extLst>
               <a:ext uri="{FF2B5EF4-FFF2-40B4-BE49-F238E27FC236}">
-                <a16:creationId xmlns:a16="http://schemas.microsoft.com/office/drawing/2014/main" id="{55BEA057-583E-4995-BD44-387E30A806C8}"/>
+                <a16:creationId xmlns:a16="http://schemas.microsoft.com/office/drawing/2014/main" xmlns="" id="{55BEA057-583E-4995-BD44-387E30A806C8}"/>
               </a:ext>
             </a:extLst>
           </p:cNvPr>
@@ -2819,7 +2819,7 @@
           <p:cNvPr id="3" name="Text Placeholder 2">
             <a:extLst>
               <a:ext uri="{FF2B5EF4-FFF2-40B4-BE49-F238E27FC236}">
-                <a16:creationId xmlns:a16="http://schemas.microsoft.com/office/drawing/2014/main" id="{328F1DDD-E76A-41B4-9E53-EEAD8F589C57}"/>
+                <a16:creationId xmlns:a16="http://schemas.microsoft.com/office/drawing/2014/main" xmlns="" id="{328F1DDD-E76A-41B4-9E53-EEAD8F589C57}"/>
               </a:ext>
             </a:extLst>
           </p:cNvPr>
@@ -2886,7 +2886,7 @@
           <p:cNvPr id="4" name="Date Placeholder 3">
             <a:extLst>
               <a:ext uri="{FF2B5EF4-FFF2-40B4-BE49-F238E27FC236}">
-                <a16:creationId xmlns:a16="http://schemas.microsoft.com/office/drawing/2014/main" id="{9D6263A5-6D36-4426-8434-6F0FD47ED732}"/>
+                <a16:creationId xmlns:a16="http://schemas.microsoft.com/office/drawing/2014/main" xmlns="" id="{9D6263A5-6D36-4426-8434-6F0FD47ED732}"/>
               </a:ext>
             </a:extLst>
           </p:cNvPr>
@@ -2922,7 +2922,7 @@
           <a:p>
             <a:fld id="{F28FA523-62D8-40FE-B50A-1C662116A5AA}" type="datetimeFigureOut">
               <a:rPr lang="en-US" smtClean="0"/>
-              <a:t>4/17/2022</a:t>
+              <a:t>12/21/2022</a:t>
             </a:fld>
             <a:endParaRPr lang="en-US"/>
           </a:p>
@@ -2933,7 +2933,7 @@
           <p:cNvPr id="5" name="Footer Placeholder 4">
             <a:extLst>
               <a:ext uri="{FF2B5EF4-FFF2-40B4-BE49-F238E27FC236}">
-                <a16:creationId xmlns:a16="http://schemas.microsoft.com/office/drawing/2014/main" id="{D473CD9D-1673-4D1F-9612-387BEB813BAF}"/>
+                <a16:creationId xmlns:a16="http://schemas.microsoft.com/office/drawing/2014/main" xmlns="" id="{D473CD9D-1673-4D1F-9612-387BEB813BAF}"/>
               </a:ext>
             </a:extLst>
           </p:cNvPr>
@@ -2976,7 +2976,7 @@
           <p:cNvPr id="6" name="Slide Number Placeholder 5">
             <a:extLst>
               <a:ext uri="{FF2B5EF4-FFF2-40B4-BE49-F238E27FC236}">
-                <a16:creationId xmlns:a16="http://schemas.microsoft.com/office/drawing/2014/main" id="{1E416345-41D2-471B-9529-9686C27F5A09}"/>
+                <a16:creationId xmlns:a16="http://schemas.microsoft.com/office/drawing/2014/main" xmlns="" id="{1E416345-41D2-471B-9529-9686C27F5A09}"/>
               </a:ext>
             </a:extLst>
           </p:cNvPr>
@@ -3358,7 +3358,7 @@
           <p:cNvPr id="4" name="TextBox 3">
             <a:extLst>
               <a:ext uri="{FF2B5EF4-FFF2-40B4-BE49-F238E27FC236}">
-                <a16:creationId xmlns:a16="http://schemas.microsoft.com/office/drawing/2014/main" id="{C520F97A-C6B2-485B-B5B9-4D18745B1A17}"/>
+                <a16:creationId xmlns:a16="http://schemas.microsoft.com/office/drawing/2014/main" xmlns="" id="{C520F97A-C6B2-485B-B5B9-4D18745B1A17}"/>
               </a:ext>
             </a:extLst>
           </p:cNvPr>
@@ -3396,7 +3396,7 @@
           <p:cNvPr id="5" name="TextBox 4">
             <a:extLst>
               <a:ext uri="{FF2B5EF4-FFF2-40B4-BE49-F238E27FC236}">
-                <a16:creationId xmlns:a16="http://schemas.microsoft.com/office/drawing/2014/main" id="{D663ADD1-2AA6-4A23-8672-DAC4F3741999}"/>
+                <a16:creationId xmlns:a16="http://schemas.microsoft.com/office/drawing/2014/main" xmlns="" id="{D663ADD1-2AA6-4A23-8672-DAC4F3741999}"/>
               </a:ext>
             </a:extLst>
           </p:cNvPr>
@@ -3504,7 +3504,7 @@
           <p:cNvPr id="4" name="TextBox 3">
             <a:extLst>
               <a:ext uri="{FF2B5EF4-FFF2-40B4-BE49-F238E27FC236}">
-                <a16:creationId xmlns:a16="http://schemas.microsoft.com/office/drawing/2014/main" id="{C520F97A-C6B2-485B-B5B9-4D18745B1A17}"/>
+                <a16:creationId xmlns:a16="http://schemas.microsoft.com/office/drawing/2014/main" xmlns="" id="{C520F97A-C6B2-485B-B5B9-4D18745B1A17}"/>
               </a:ext>
             </a:extLst>
           </p:cNvPr>
@@ -3539,7 +3539,7 @@
           <p:cNvPr id="2" name="TextBox 1">
             <a:extLst>
               <a:ext uri="{FF2B5EF4-FFF2-40B4-BE49-F238E27FC236}">
-                <a16:creationId xmlns:a16="http://schemas.microsoft.com/office/drawing/2014/main" id="{390A049C-E7EC-48AC-AF38-F047EEF2F63F}"/>
+                <a16:creationId xmlns:a16="http://schemas.microsoft.com/office/drawing/2014/main" xmlns="" id="{390A049C-E7EC-48AC-AF38-F047EEF2F63F}"/>
               </a:ext>
             </a:extLst>
           </p:cNvPr>
@@ -4278,7 +4278,7 @@
           <p:cNvPr id="4" name="TextBox 3">
             <a:extLst>
               <a:ext uri="{FF2B5EF4-FFF2-40B4-BE49-F238E27FC236}">
-                <a16:creationId xmlns:a16="http://schemas.microsoft.com/office/drawing/2014/main" id="{C520F97A-C6B2-485B-B5B9-4D18745B1A17}"/>
+                <a16:creationId xmlns:a16="http://schemas.microsoft.com/office/drawing/2014/main" xmlns="" id="{C520F97A-C6B2-485B-B5B9-4D18745B1A17}"/>
               </a:ext>
             </a:extLst>
           </p:cNvPr>
@@ -4313,7 +4313,7 @@
           <p:cNvPr id="5" name="Picture 4">
             <a:extLst>
               <a:ext uri="{FF2B5EF4-FFF2-40B4-BE49-F238E27FC236}">
-                <a16:creationId xmlns:a16="http://schemas.microsoft.com/office/drawing/2014/main" id="{61CA7E13-2817-4279-859E-171E16BB68C7}"/>
+                <a16:creationId xmlns:a16="http://schemas.microsoft.com/office/drawing/2014/main" xmlns="" id="{61CA7E13-2817-4279-859E-171E16BB68C7}"/>
               </a:ext>
             </a:extLst>
           </p:cNvPr>
@@ -4343,7 +4343,7 @@
           <p:cNvPr id="7" name="Picture 6">
             <a:extLst>
               <a:ext uri="{FF2B5EF4-FFF2-40B4-BE49-F238E27FC236}">
-                <a16:creationId xmlns:a16="http://schemas.microsoft.com/office/drawing/2014/main" id="{68FA3DC6-3335-4985-9BEA-608E643D1F2B}"/>
+                <a16:creationId xmlns:a16="http://schemas.microsoft.com/office/drawing/2014/main" xmlns="" id="{68FA3DC6-3335-4985-9BEA-608E643D1F2B}"/>
               </a:ext>
             </a:extLst>
           </p:cNvPr>
@@ -4378,6 +4378,13 @@
   <p:clrMapOvr>
     <a:masterClrMapping/>
   </p:clrMapOvr>
+  <p:timing>
+    <p:tnLst>
+      <p:par>
+        <p:cTn id="1" dur="indefinite" restart="never" nodeType="tmRoot"/>
+      </p:par>
+    </p:tnLst>
+  </p:timing>
 </p:sld>
 </file>
 
@@ -4417,7 +4424,7 @@
           <p:cNvPr id="4" name="TextBox 3">
             <a:extLst>
               <a:ext uri="{FF2B5EF4-FFF2-40B4-BE49-F238E27FC236}">
-                <a16:creationId xmlns:a16="http://schemas.microsoft.com/office/drawing/2014/main" id="{C520F97A-C6B2-485B-B5B9-4D18745B1A17}"/>
+                <a16:creationId xmlns:a16="http://schemas.microsoft.com/office/drawing/2014/main" xmlns="" id="{C520F97A-C6B2-485B-B5B9-4D18745B1A17}"/>
               </a:ext>
             </a:extLst>
           </p:cNvPr>
@@ -4452,7 +4459,7 @@
           <p:cNvPr id="3" name="Picture 2">
             <a:extLst>
               <a:ext uri="{FF2B5EF4-FFF2-40B4-BE49-F238E27FC236}">
-                <a16:creationId xmlns:a16="http://schemas.microsoft.com/office/drawing/2014/main" id="{1BC340A2-F708-4B73-A951-C00B581C7536}"/>
+                <a16:creationId xmlns:a16="http://schemas.microsoft.com/office/drawing/2014/main" xmlns="" id="{1BC340A2-F708-4B73-A951-C00B581C7536}"/>
               </a:ext>
             </a:extLst>
           </p:cNvPr>
@@ -4487,6 +4494,13 @@
   <p:clrMapOvr>
     <a:masterClrMapping/>
   </p:clrMapOvr>
+  <p:timing>
+    <p:tnLst>
+      <p:par>
+        <p:cTn id="1" dur="indefinite" restart="never" nodeType="tmRoot"/>
+      </p:par>
+    </p:tnLst>
+  </p:timing>
 </p:sld>
 </file>
 
@@ -4526,7 +4540,7 @@
           <p:cNvPr id="4" name="TextBox 3">
             <a:extLst>
               <a:ext uri="{FF2B5EF4-FFF2-40B4-BE49-F238E27FC236}">
-                <a16:creationId xmlns:a16="http://schemas.microsoft.com/office/drawing/2014/main" id="{C520F97A-C6B2-485B-B5B9-4D18745B1A17}"/>
+                <a16:creationId xmlns:a16="http://schemas.microsoft.com/office/drawing/2014/main" xmlns="" id="{C520F97A-C6B2-485B-B5B9-4D18745B1A17}"/>
               </a:ext>
             </a:extLst>
           </p:cNvPr>
@@ -4561,7 +4575,7 @@
           <p:cNvPr id="5" name="Picture 4">
             <a:extLst>
               <a:ext uri="{FF2B5EF4-FFF2-40B4-BE49-F238E27FC236}">
-                <a16:creationId xmlns:a16="http://schemas.microsoft.com/office/drawing/2014/main" id="{A11F980A-7892-4F59-BE0D-E8407E26D752}"/>
+                <a16:creationId xmlns:a16="http://schemas.microsoft.com/office/drawing/2014/main" xmlns="" id="{A11F980A-7892-4F59-BE0D-E8407E26D752}"/>
               </a:ext>
             </a:extLst>
           </p:cNvPr>
@@ -4596,6 +4610,13 @@
   <p:clrMapOvr>
     <a:masterClrMapping/>
   </p:clrMapOvr>
+  <p:timing>
+    <p:tnLst>
+      <p:par>
+        <p:cTn id="1" dur="indefinite" restart="never" nodeType="tmRoot"/>
+      </p:par>
+    </p:tnLst>
+  </p:timing>
 </p:sld>
 </file>
 
@@ -4635,7 +4656,7 @@
           <p:cNvPr id="4" name="TextBox 3">
             <a:extLst>
               <a:ext uri="{FF2B5EF4-FFF2-40B4-BE49-F238E27FC236}">
-                <a16:creationId xmlns:a16="http://schemas.microsoft.com/office/drawing/2014/main" id="{C520F97A-C6B2-485B-B5B9-4D18745B1A17}"/>
+                <a16:creationId xmlns:a16="http://schemas.microsoft.com/office/drawing/2014/main" xmlns="" id="{C520F97A-C6B2-485B-B5B9-4D18745B1A17}"/>
               </a:ext>
             </a:extLst>
           </p:cNvPr>
@@ -4670,7 +4691,7 @@
           <p:cNvPr id="6" name="TextBox 5">
             <a:extLst>
               <a:ext uri="{FF2B5EF4-FFF2-40B4-BE49-F238E27FC236}">
-                <a16:creationId xmlns:a16="http://schemas.microsoft.com/office/drawing/2014/main" id="{D8C0BB8E-5263-4BED-8F68-8DC26665F588}"/>
+                <a16:creationId xmlns:a16="http://schemas.microsoft.com/office/drawing/2014/main" xmlns="" id="{D8C0BB8E-5263-4BED-8F68-8DC26665F588}"/>
               </a:ext>
             </a:extLst>
           </p:cNvPr>
@@ -4785,6 +4806,13 @@
   <p:clrMapOvr>
     <a:masterClrMapping/>
   </p:clrMapOvr>
+  <p:timing>
+    <p:tnLst>
+      <p:par>
+        <p:cTn id="1" dur="indefinite" restart="never" nodeType="tmRoot"/>
+      </p:par>
+    </p:tnLst>
+  </p:timing>
 </p:sld>
 </file>
 
@@ -4824,7 +4852,7 @@
           <p:cNvPr id="4" name="TextBox 3">
             <a:extLst>
               <a:ext uri="{FF2B5EF4-FFF2-40B4-BE49-F238E27FC236}">
-                <a16:creationId xmlns:a16="http://schemas.microsoft.com/office/drawing/2014/main" id="{C520F97A-C6B2-485B-B5B9-4D18745B1A17}"/>
+                <a16:creationId xmlns:a16="http://schemas.microsoft.com/office/drawing/2014/main" xmlns="" id="{C520F97A-C6B2-485B-B5B9-4D18745B1A17}"/>
               </a:ext>
             </a:extLst>
           </p:cNvPr>
@@ -4862,7 +4890,7 @@
           <p:cNvPr id="5" name="TextBox 4">
             <a:extLst>
               <a:ext uri="{FF2B5EF4-FFF2-40B4-BE49-F238E27FC236}">
-                <a16:creationId xmlns:a16="http://schemas.microsoft.com/office/drawing/2014/main" id="{D663ADD1-2AA6-4A23-8672-DAC4F3741999}"/>
+                <a16:creationId xmlns:a16="http://schemas.microsoft.com/office/drawing/2014/main" xmlns="" id="{D663ADD1-2AA6-4A23-8672-DAC4F3741999}"/>
               </a:ext>
             </a:extLst>
           </p:cNvPr>
@@ -4890,12 +4918,16 @@
               <a:buChar char="•"/>
             </a:pPr>
             <a:r>
-              <a:rPr lang="en-US" sz="2000" dirty="0">
+              <a:rPr lang="en-US" sz="2000" dirty="0" smtClean="0">
                 <a:latin typeface="Roboto" panose="02000000000000000000" pitchFamily="2" charset="0"/>
                 <a:ea typeface="Roboto" panose="02000000000000000000" pitchFamily="2" charset="0"/>
               </a:rPr>
-              <a:t>Java</a:t>
-            </a:r>
+              <a:t>JavaScript</a:t>
+            </a:r>
+            <a:endParaRPr lang="en-US" sz="2000" dirty="0">
+              <a:latin typeface="Roboto" panose="02000000000000000000" pitchFamily="2" charset="0"/>
+              <a:ea typeface="Roboto" panose="02000000000000000000" pitchFamily="2" charset="0"/>
+            </a:endParaRPr>
           </a:p>
           <a:p>
             <a:pPr marL="342900" indent="-342900">
@@ -4970,7 +5002,7 @@
           <p:cNvPr id="4" name="TextBox 3">
             <a:extLst>
               <a:ext uri="{FF2B5EF4-FFF2-40B4-BE49-F238E27FC236}">
-                <a16:creationId xmlns:a16="http://schemas.microsoft.com/office/drawing/2014/main" id="{C520F97A-C6B2-485B-B5B9-4D18745B1A17}"/>
+                <a16:creationId xmlns:a16="http://schemas.microsoft.com/office/drawing/2014/main" xmlns="" id="{C520F97A-C6B2-485B-B5B9-4D18745B1A17}"/>
               </a:ext>
             </a:extLst>
           </p:cNvPr>
@@ -5008,7 +5040,7 @@
           <p:cNvPr id="5" name="TextBox 4">
             <a:extLst>
               <a:ext uri="{FF2B5EF4-FFF2-40B4-BE49-F238E27FC236}">
-                <a16:creationId xmlns:a16="http://schemas.microsoft.com/office/drawing/2014/main" id="{D663ADD1-2AA6-4A23-8672-DAC4F3741999}"/>
+                <a16:creationId xmlns:a16="http://schemas.microsoft.com/office/drawing/2014/main" xmlns="" id="{D663ADD1-2AA6-4A23-8672-DAC4F3741999}"/>
               </a:ext>
             </a:extLst>
           </p:cNvPr>
@@ -5154,6 +5186,9 @@
             </a:pPr>
             <a:r>
               <a:rPr lang="en-US" sz="2000" dirty="0">
+                <a:solidFill>
+                  <a:srgbClr val="FF0000"/>
+                </a:solidFill>
                 <a:latin typeface="Roboto" panose="02000000000000000000" pitchFamily="2" charset="0"/>
                 <a:ea typeface="Roboto" panose="02000000000000000000" pitchFamily="2" charset="0"/>
               </a:rPr>
@@ -6082,7 +6117,7 @@
           <p:cNvPr id="4" name="TextBox 3">
             <a:extLst>
               <a:ext uri="{FF2B5EF4-FFF2-40B4-BE49-F238E27FC236}">
-                <a16:creationId xmlns:a16="http://schemas.microsoft.com/office/drawing/2014/main" id="{C520F97A-C6B2-485B-B5B9-4D18745B1A17}"/>
+                <a16:creationId xmlns:a16="http://schemas.microsoft.com/office/drawing/2014/main" xmlns="" id="{C520F97A-C6B2-485B-B5B9-4D18745B1A17}"/>
               </a:ext>
             </a:extLst>
           </p:cNvPr>
@@ -6120,7 +6155,7 @@
           <p:cNvPr id="5" name="TextBox 4">
             <a:extLst>
               <a:ext uri="{FF2B5EF4-FFF2-40B4-BE49-F238E27FC236}">
-                <a16:creationId xmlns:a16="http://schemas.microsoft.com/office/drawing/2014/main" id="{D663ADD1-2AA6-4A23-8672-DAC4F3741999}"/>
+                <a16:creationId xmlns:a16="http://schemas.microsoft.com/office/drawing/2014/main" xmlns="" id="{D663ADD1-2AA6-4A23-8672-DAC4F3741999}"/>
               </a:ext>
             </a:extLst>
           </p:cNvPr>
@@ -6371,7 +6406,7 @@
           <p:cNvPr id="4" name="TextBox 3">
             <a:extLst>
               <a:ext uri="{FF2B5EF4-FFF2-40B4-BE49-F238E27FC236}">
-                <a16:creationId xmlns:a16="http://schemas.microsoft.com/office/drawing/2014/main" id="{C520F97A-C6B2-485B-B5B9-4D18745B1A17}"/>
+                <a16:creationId xmlns:a16="http://schemas.microsoft.com/office/drawing/2014/main" xmlns="" id="{C520F97A-C6B2-485B-B5B9-4D18745B1A17}"/>
               </a:ext>
             </a:extLst>
           </p:cNvPr>
@@ -6409,7 +6444,7 @@
           <p:cNvPr id="5" name="TextBox 4">
             <a:extLst>
               <a:ext uri="{FF2B5EF4-FFF2-40B4-BE49-F238E27FC236}">
-                <a16:creationId xmlns:a16="http://schemas.microsoft.com/office/drawing/2014/main" id="{D663ADD1-2AA6-4A23-8672-DAC4F3741999}"/>
+                <a16:creationId xmlns:a16="http://schemas.microsoft.com/office/drawing/2014/main" xmlns="" id="{D663ADD1-2AA6-4A23-8672-DAC4F3741999}"/>
               </a:ext>
             </a:extLst>
           </p:cNvPr>
@@ -6645,7 +6680,7 @@
           <p:cNvPr id="4" name="TextBox 3">
             <a:extLst>
               <a:ext uri="{FF2B5EF4-FFF2-40B4-BE49-F238E27FC236}">
-                <a16:creationId xmlns:a16="http://schemas.microsoft.com/office/drawing/2014/main" id="{C520F97A-C6B2-485B-B5B9-4D18745B1A17}"/>
+                <a16:creationId xmlns:a16="http://schemas.microsoft.com/office/drawing/2014/main" xmlns="" id="{C520F97A-C6B2-485B-B5B9-4D18745B1A17}"/>
               </a:ext>
             </a:extLst>
           </p:cNvPr>
@@ -6680,7 +6715,7 @@
           <p:cNvPr id="5" name="TextBox 4">
             <a:extLst>
               <a:ext uri="{FF2B5EF4-FFF2-40B4-BE49-F238E27FC236}">
-                <a16:creationId xmlns:a16="http://schemas.microsoft.com/office/drawing/2014/main" id="{D663ADD1-2AA6-4A23-8672-DAC4F3741999}"/>
+                <a16:creationId xmlns:a16="http://schemas.microsoft.com/office/drawing/2014/main" xmlns="" id="{D663ADD1-2AA6-4A23-8672-DAC4F3741999}"/>
               </a:ext>
             </a:extLst>
           </p:cNvPr>
@@ -6996,7 +7031,7 @@
           <p:cNvPr id="4" name="TextBox 3">
             <a:extLst>
               <a:ext uri="{FF2B5EF4-FFF2-40B4-BE49-F238E27FC236}">
-                <a16:creationId xmlns:a16="http://schemas.microsoft.com/office/drawing/2014/main" id="{C520F97A-C6B2-485B-B5B9-4D18745B1A17}"/>
+                <a16:creationId xmlns:a16="http://schemas.microsoft.com/office/drawing/2014/main" xmlns="" id="{C520F97A-C6B2-485B-B5B9-4D18745B1A17}"/>
               </a:ext>
             </a:extLst>
           </p:cNvPr>
@@ -7031,7 +7066,7 @@
           <p:cNvPr id="2" name="TextBox 1">
             <a:extLst>
               <a:ext uri="{FF2B5EF4-FFF2-40B4-BE49-F238E27FC236}">
-                <a16:creationId xmlns:a16="http://schemas.microsoft.com/office/drawing/2014/main" id="{8865DC61-BF76-4184-A7CE-BAA2F53BE1CA}"/>
+                <a16:creationId xmlns:a16="http://schemas.microsoft.com/office/drawing/2014/main" xmlns="" id="{8865DC61-BF76-4184-A7CE-BAA2F53BE1CA}"/>
               </a:ext>
             </a:extLst>
           </p:cNvPr>
@@ -7096,7 +7131,7 @@
           <p:cNvPr id="6" name="TextBox 5">
             <a:extLst>
               <a:ext uri="{FF2B5EF4-FFF2-40B4-BE49-F238E27FC236}">
-                <a16:creationId xmlns:a16="http://schemas.microsoft.com/office/drawing/2014/main" id="{ABE7C54E-BCF8-4DC7-AC84-0C17863EEBF6}"/>
+                <a16:creationId xmlns:a16="http://schemas.microsoft.com/office/drawing/2014/main" xmlns="" id="{ABE7C54E-BCF8-4DC7-AC84-0C17863EEBF6}"/>
               </a:ext>
             </a:extLst>
           </p:cNvPr>
@@ -7496,7 +7531,7 @@
           <p:cNvPr id="4" name="TextBox 3">
             <a:extLst>
               <a:ext uri="{FF2B5EF4-FFF2-40B4-BE49-F238E27FC236}">
-                <a16:creationId xmlns:a16="http://schemas.microsoft.com/office/drawing/2014/main" id="{C520F97A-C6B2-485B-B5B9-4D18745B1A17}"/>
+                <a16:creationId xmlns:a16="http://schemas.microsoft.com/office/drawing/2014/main" xmlns="" id="{C520F97A-C6B2-485B-B5B9-4D18745B1A17}"/>
               </a:ext>
             </a:extLst>
           </p:cNvPr>
@@ -7539,7 +7574,7 @@
           <p:cNvPr id="5" name="Picture 4">
             <a:extLst>
               <a:ext uri="{FF2B5EF4-FFF2-40B4-BE49-F238E27FC236}">
-                <a16:creationId xmlns:a16="http://schemas.microsoft.com/office/drawing/2014/main" id="{02520576-A807-475A-816E-FA8F2EF799DD}"/>
+                <a16:creationId xmlns:a16="http://schemas.microsoft.com/office/drawing/2014/main" xmlns="" id="{02520576-A807-475A-816E-FA8F2EF799DD}"/>
               </a:ext>
             </a:extLst>
           </p:cNvPr>
@@ -7613,7 +7648,7 @@
           <p:cNvPr id="4" name="TextBox 3">
             <a:extLst>
               <a:ext uri="{FF2B5EF4-FFF2-40B4-BE49-F238E27FC236}">
-                <a16:creationId xmlns:a16="http://schemas.microsoft.com/office/drawing/2014/main" id="{C520F97A-C6B2-485B-B5B9-4D18745B1A17}"/>
+                <a16:creationId xmlns:a16="http://schemas.microsoft.com/office/drawing/2014/main" xmlns="" id="{C520F97A-C6B2-485B-B5B9-4D18745B1A17}"/>
               </a:ext>
             </a:extLst>
           </p:cNvPr>
@@ -7656,7 +7691,7 @@
           <p:cNvPr id="2" name="TextBox 1">
             <a:extLst>
               <a:ext uri="{FF2B5EF4-FFF2-40B4-BE49-F238E27FC236}">
-                <a16:creationId xmlns:a16="http://schemas.microsoft.com/office/drawing/2014/main" id="{390A049C-E7EC-48AC-AF38-F047EEF2F63F}"/>
+                <a16:creationId xmlns:a16="http://schemas.microsoft.com/office/drawing/2014/main" xmlns="" id="{390A049C-E7EC-48AC-AF38-F047EEF2F63F}"/>
               </a:ext>
             </a:extLst>
           </p:cNvPr>
@@ -7685,7 +7720,11 @@
             </a:pPr>
             <a:r>
               <a:rPr lang="en-US" dirty="0"/>
-              <a:t>In general, we want to let React handle all DOM manipulation.</a:t>
+              <a:t>In general, we want to let </a:t>
+            </a:r>
+            <a:r>
+              <a:rPr lang="en-US" b="1" dirty="0"/>
+              <a:t>React handle all DOM manipulation.</a:t>
             </a:r>
           </a:p>
           <a:p>
@@ -7705,7 +7744,7 @@
           <p:cNvPr id="8" name="Picture 7">
             <a:extLst>
               <a:ext uri="{FF2B5EF4-FFF2-40B4-BE49-F238E27FC236}">
-                <a16:creationId xmlns:a16="http://schemas.microsoft.com/office/drawing/2014/main" id="{8C70A615-3F7B-4050-808A-55FE8DDB751C}"/>
+                <a16:creationId xmlns:a16="http://schemas.microsoft.com/office/drawing/2014/main" xmlns="" id="{8C70A615-3F7B-4050-808A-55FE8DDB751C}"/>
               </a:ext>
             </a:extLst>
           </p:cNvPr>
